--- a/Lab Meeting 07-Nov-2016.pptx
+++ b/Lab Meeting 07-Nov-2016.pptx
@@ -110,6 +110,11 @@
       </a:defRPr>
     </a:lvl9pPr>
   </p:defaultTextStyle>
+  <p:extLst>
+    <p:ext uri="{EFAFB233-063F-42B5-8137-9DF3F51BA10A}">
+      <p15:sldGuideLst xmlns:p15="http://schemas.microsoft.com/office/powerpoint/2012/main"/>
+    </p:ext>
+  </p:extLst>
 </p:presentation>
 </file>
 
@@ -195,7 +200,7 @@
           <a:p>
             <a:fld id="{1CA15AD1-206A-4140-9893-F8571FC787B1}" type="datetimeFigureOut">
               <a:rPr lang="en-US" smtClean="0"/>
-              <a:t>11/3/16</a:t>
+              <a:t>11/4/16</a:t>
             </a:fld>
             <a:endParaRPr lang="en-US"/>
           </a:p>
@@ -678,7 +683,7 @@
           <a:p>
             <a:fld id="{CE8C0B1D-892C-7644-9105-B9CDA68FC4D5}" type="datetimeFigureOut">
               <a:rPr lang="en-US" smtClean="0"/>
-              <a:t>11/3/16</a:t>
+              <a:t>11/4/16</a:t>
             </a:fld>
             <a:endParaRPr lang="en-US"/>
           </a:p>
@@ -848,7 +853,7 @@
           <a:p>
             <a:fld id="{CE8C0B1D-892C-7644-9105-B9CDA68FC4D5}" type="datetimeFigureOut">
               <a:rPr lang="en-US" smtClean="0"/>
-              <a:t>11/3/16</a:t>
+              <a:t>11/4/16</a:t>
             </a:fld>
             <a:endParaRPr lang="en-US"/>
           </a:p>
@@ -1028,7 +1033,7 @@
           <a:p>
             <a:fld id="{CE8C0B1D-892C-7644-9105-B9CDA68FC4D5}" type="datetimeFigureOut">
               <a:rPr lang="en-US" smtClean="0"/>
-              <a:t>11/3/16</a:t>
+              <a:t>11/4/16</a:t>
             </a:fld>
             <a:endParaRPr lang="en-US"/>
           </a:p>
@@ -1198,7 +1203,7 @@
           <a:p>
             <a:fld id="{CE8C0B1D-892C-7644-9105-B9CDA68FC4D5}" type="datetimeFigureOut">
               <a:rPr lang="en-US" smtClean="0"/>
-              <a:t>11/3/16</a:t>
+              <a:t>11/4/16</a:t>
             </a:fld>
             <a:endParaRPr lang="en-US"/>
           </a:p>
@@ -1444,7 +1449,7 @@
           <a:p>
             <a:fld id="{CE8C0B1D-892C-7644-9105-B9CDA68FC4D5}" type="datetimeFigureOut">
               <a:rPr lang="en-US" smtClean="0"/>
-              <a:t>11/3/16</a:t>
+              <a:t>11/4/16</a:t>
             </a:fld>
             <a:endParaRPr lang="en-US"/>
           </a:p>
@@ -1676,7 +1681,7 @@
           <a:p>
             <a:fld id="{CE8C0B1D-892C-7644-9105-B9CDA68FC4D5}" type="datetimeFigureOut">
               <a:rPr lang="en-US" smtClean="0"/>
-              <a:t>11/3/16</a:t>
+              <a:t>11/4/16</a:t>
             </a:fld>
             <a:endParaRPr lang="en-US"/>
           </a:p>
@@ -2043,7 +2048,7 @@
           <a:p>
             <a:fld id="{CE8C0B1D-892C-7644-9105-B9CDA68FC4D5}" type="datetimeFigureOut">
               <a:rPr lang="en-US" smtClean="0"/>
-              <a:t>11/3/16</a:t>
+              <a:t>11/4/16</a:t>
             </a:fld>
             <a:endParaRPr lang="en-US"/>
           </a:p>
@@ -2161,7 +2166,7 @@
           <a:p>
             <a:fld id="{CE8C0B1D-892C-7644-9105-B9CDA68FC4D5}" type="datetimeFigureOut">
               <a:rPr lang="en-US" smtClean="0"/>
-              <a:t>11/3/16</a:t>
+              <a:t>11/4/16</a:t>
             </a:fld>
             <a:endParaRPr lang="en-US"/>
           </a:p>
@@ -2256,7 +2261,7 @@
           <a:p>
             <a:fld id="{CE8C0B1D-892C-7644-9105-B9CDA68FC4D5}" type="datetimeFigureOut">
               <a:rPr lang="en-US" smtClean="0"/>
-              <a:t>11/3/16</a:t>
+              <a:t>11/4/16</a:t>
             </a:fld>
             <a:endParaRPr lang="en-US"/>
           </a:p>
@@ -2533,7 +2538,7 @@
           <a:p>
             <a:fld id="{CE8C0B1D-892C-7644-9105-B9CDA68FC4D5}" type="datetimeFigureOut">
               <a:rPr lang="en-US" smtClean="0"/>
-              <a:t>11/3/16</a:t>
+              <a:t>11/4/16</a:t>
             </a:fld>
             <a:endParaRPr lang="en-US"/>
           </a:p>
@@ -2786,7 +2791,7 @@
           <a:p>
             <a:fld id="{CE8C0B1D-892C-7644-9105-B9CDA68FC4D5}" type="datetimeFigureOut">
               <a:rPr lang="en-US" smtClean="0"/>
-              <a:t>11/3/16</a:t>
+              <a:t>11/4/16</a:t>
             </a:fld>
             <a:endParaRPr lang="en-US"/>
           </a:p>
@@ -2999,7 +3004,7 @@
           <a:p>
             <a:fld id="{CE8C0B1D-892C-7644-9105-B9CDA68FC4D5}" type="datetimeFigureOut">
               <a:rPr lang="en-US" smtClean="0"/>
-              <a:t>11/3/16</a:t>
+              <a:t>11/4/16</a:t>
             </a:fld>
             <a:endParaRPr lang="en-US"/>
           </a:p>
@@ -4331,9 +4336,22 @@
               <a:rPr lang="en-US" sz="2400" dirty="0" smtClean="0">
                 <a:sym typeface="Wingdings"/>
               </a:rPr>
-              <a:t> integrate a simple instrument and bend according to the model boundaries to try and form a shape that will reach the workspace</a:t>
-            </a:r>
-            <a:endParaRPr lang="en-US" sz="2400" dirty="0"/>
+              <a:t> integrate a simple instrument and bend according to the model boundaries to try and form a shape that will reach the </a:t>
+            </a:r>
+            <a:r>
+              <a:rPr lang="en-US" sz="2400" dirty="0" smtClean="0">
+                <a:sym typeface="Wingdings"/>
+              </a:rPr>
+              <a:t>workspace</a:t>
+            </a:r>
+          </a:p>
+          <a:p>
+            <a:pPr marL="0" indent="0">
+              <a:buNone/>
+            </a:pPr>
+            <a:endParaRPr lang="en-US" sz="2400" dirty="0">
+              <a:sym typeface="Wingdings"/>
+            </a:endParaRPr>
           </a:p>
         </p:txBody>
       </p:sp>
@@ -4409,25 +4427,133 @@
         </p:nvSpPr>
         <p:spPr/>
         <p:txBody>
-          <a:bodyPr/>
-          <a:lstStyle/>
+          <a:bodyPr>
+            <a:normAutofit fontScale="92500" lnSpcReduction="10000"/>
+          </a:bodyPr>
+          <a:lstStyle/>
+          <a:p>
+            <a:pPr marL="0" indent="0">
+              <a:buNone/>
+            </a:pPr>
+            <a:endParaRPr lang="en-US" dirty="0" smtClean="0"/>
+          </a:p>
           <a:p>
             <a:r>
               <a:rPr lang="en-US" dirty="0" smtClean="0"/>
-              <a:t>Tip Workspace Mapping -&gt; there should be a way for the tip to reach all areas in the middle ear</a:t>
-            </a:r>
-          </a:p>
-          <a:p>
+              <a:t>Can </a:t>
+            </a:r>
             <a:r>
               <a:rPr lang="en-US" dirty="0" smtClean="0"/>
-              <a:t>Can you export the workspace map into an STL?</a:t>
-            </a:r>
-          </a:p>
-          <a:p>
+              <a:t>you export the workspace map into an STL</a:t>
+            </a:r>
             <a:r>
               <a:rPr lang="en-US" dirty="0" smtClean="0"/>
-              <a:t>How do you work with such a big file?</a:t>
-            </a:r>
+              <a:t>? </a:t>
+            </a:r>
+          </a:p>
+          <a:p>
+            <a:r>
+              <a:rPr lang="en-US" dirty="0" smtClean="0"/>
+              <a:t>How easy would it be to integrate into a </a:t>
+            </a:r>
+            <a:r>
+              <a:rPr lang="en-US" dirty="0" err="1" smtClean="0"/>
+              <a:t>solidworks</a:t>
+            </a:r>
+            <a:r>
+              <a:rPr lang="en-US" dirty="0" smtClean="0"/>
+              <a:t> file with an STL of the ear anatomy?</a:t>
+            </a:r>
+            <a:endParaRPr lang="en-US" dirty="0" smtClean="0"/>
+          </a:p>
+          <a:p>
+            <a:r>
+              <a:rPr lang="en-US" dirty="0" smtClean="0"/>
+              <a:t>How do you work with such a big </a:t>
+            </a:r>
+            <a:r>
+              <a:rPr lang="en-US" dirty="0" smtClean="0"/>
+              <a:t>file on </a:t>
+            </a:r>
+            <a:r>
+              <a:rPr lang="en-US" dirty="0" err="1" smtClean="0"/>
+              <a:t>solidworks</a:t>
+            </a:r>
+            <a:r>
+              <a:rPr lang="en-US" dirty="0" smtClean="0"/>
+              <a:t>?</a:t>
+            </a:r>
+          </a:p>
+          <a:p>
+            <a:r>
+              <a:rPr lang="en-US" dirty="0"/>
+              <a:t>H</a:t>
+            </a:r>
+            <a:r>
+              <a:rPr lang="en-US" dirty="0" smtClean="0"/>
+              <a:t>ow easy is it to integrate a </a:t>
+            </a:r>
+            <a:r>
+              <a:rPr lang="en-US" dirty="0" err="1" smtClean="0"/>
+              <a:t>sldprt</a:t>
+            </a:r>
+            <a:r>
+              <a:rPr lang="en-US" dirty="0" smtClean="0"/>
+              <a:t> (endoscope and instrument model) into an STL on a </a:t>
+            </a:r>
+            <a:r>
+              <a:rPr lang="en-US" dirty="0" err="1" smtClean="0"/>
+              <a:t>solidworks</a:t>
+            </a:r>
+            <a:r>
+              <a:rPr lang="en-US" dirty="0" smtClean="0"/>
+              <a:t> file?</a:t>
+            </a:r>
+          </a:p>
+          <a:p>
+            <a:r>
+              <a:rPr lang="en-US" dirty="0" smtClean="0"/>
+              <a:t>Should I use </a:t>
+            </a:r>
+            <a:r>
+              <a:rPr lang="en-US" dirty="0" err="1" smtClean="0"/>
+              <a:t>solidworks</a:t>
+            </a:r>
+            <a:r>
+              <a:rPr lang="en-US" dirty="0" smtClean="0"/>
+              <a:t> for this or a different program?</a:t>
+            </a:r>
+          </a:p>
+          <a:p>
+            <a:r>
+              <a:rPr lang="en-US" dirty="0" smtClean="0"/>
+              <a:t>To validate that the tool will work on more than just one ear, I will </a:t>
+            </a:r>
+            <a:r>
+              <a:rPr lang="en-US" dirty="0" smtClean="0">
+                <a:sym typeface="Wingdings"/>
+              </a:rPr>
+              <a:t>make </a:t>
+            </a:r>
+            <a:r>
+              <a:rPr lang="en-US" dirty="0">
+                <a:sym typeface="Wingdings"/>
+              </a:rPr>
+              <a:t>a separate model for each CT-generated ear </a:t>
+            </a:r>
+            <a:r>
+              <a:rPr lang="en-US" dirty="0" smtClean="0">
+                <a:sym typeface="Wingdings"/>
+              </a:rPr>
+              <a:t>model. Is this a good idea? What should be my sample size?</a:t>
+            </a:r>
+            <a:endParaRPr lang="en-US" dirty="0"/>
+          </a:p>
+          <a:p>
+            <a:endParaRPr lang="en-US" dirty="0" smtClean="0"/>
+          </a:p>
+          <a:p>
+            <a:endParaRPr lang="en-US" dirty="0" smtClean="0"/>
           </a:p>
           <a:p>
             <a:endParaRPr lang="en-US" dirty="0" smtClean="0"/>

--- a/Lab Meeting 07-Nov-2016.pptx
+++ b/Lab Meeting 07-Nov-2016.pptx
@@ -200,7 +200,7 @@
           <a:p>
             <a:fld id="{1CA15AD1-206A-4140-9893-F8571FC787B1}" type="datetimeFigureOut">
               <a:rPr lang="en-US" smtClean="0"/>
-              <a:t>11/4/16</a:t>
+              <a:t>11/7/16</a:t>
             </a:fld>
             <a:endParaRPr lang="en-US"/>
           </a:p>
@@ -683,7 +683,7 @@
           <a:p>
             <a:fld id="{CE8C0B1D-892C-7644-9105-B9CDA68FC4D5}" type="datetimeFigureOut">
               <a:rPr lang="en-US" smtClean="0"/>
-              <a:t>11/4/16</a:t>
+              <a:t>11/7/16</a:t>
             </a:fld>
             <a:endParaRPr lang="en-US"/>
           </a:p>
@@ -853,7 +853,7 @@
           <a:p>
             <a:fld id="{CE8C0B1D-892C-7644-9105-B9CDA68FC4D5}" type="datetimeFigureOut">
               <a:rPr lang="en-US" smtClean="0"/>
-              <a:t>11/4/16</a:t>
+              <a:t>11/7/16</a:t>
             </a:fld>
             <a:endParaRPr lang="en-US"/>
           </a:p>
@@ -1033,7 +1033,7 @@
           <a:p>
             <a:fld id="{CE8C0B1D-892C-7644-9105-B9CDA68FC4D5}" type="datetimeFigureOut">
               <a:rPr lang="en-US" smtClean="0"/>
-              <a:t>11/4/16</a:t>
+              <a:t>11/7/16</a:t>
             </a:fld>
             <a:endParaRPr lang="en-US"/>
           </a:p>
@@ -1203,7 +1203,7 @@
           <a:p>
             <a:fld id="{CE8C0B1D-892C-7644-9105-B9CDA68FC4D5}" type="datetimeFigureOut">
               <a:rPr lang="en-US" smtClean="0"/>
-              <a:t>11/4/16</a:t>
+              <a:t>11/7/16</a:t>
             </a:fld>
             <a:endParaRPr lang="en-US"/>
           </a:p>
@@ -1449,7 +1449,7 @@
           <a:p>
             <a:fld id="{CE8C0B1D-892C-7644-9105-B9CDA68FC4D5}" type="datetimeFigureOut">
               <a:rPr lang="en-US" smtClean="0"/>
-              <a:t>11/4/16</a:t>
+              <a:t>11/7/16</a:t>
             </a:fld>
             <a:endParaRPr lang="en-US"/>
           </a:p>
@@ -1681,7 +1681,7 @@
           <a:p>
             <a:fld id="{CE8C0B1D-892C-7644-9105-B9CDA68FC4D5}" type="datetimeFigureOut">
               <a:rPr lang="en-US" smtClean="0"/>
-              <a:t>11/4/16</a:t>
+              <a:t>11/7/16</a:t>
             </a:fld>
             <a:endParaRPr lang="en-US"/>
           </a:p>
@@ -2048,7 +2048,7 @@
           <a:p>
             <a:fld id="{CE8C0B1D-892C-7644-9105-B9CDA68FC4D5}" type="datetimeFigureOut">
               <a:rPr lang="en-US" smtClean="0"/>
-              <a:t>11/4/16</a:t>
+              <a:t>11/7/16</a:t>
             </a:fld>
             <a:endParaRPr lang="en-US"/>
           </a:p>
@@ -2166,7 +2166,7 @@
           <a:p>
             <a:fld id="{CE8C0B1D-892C-7644-9105-B9CDA68FC4D5}" type="datetimeFigureOut">
               <a:rPr lang="en-US" smtClean="0"/>
-              <a:t>11/4/16</a:t>
+              <a:t>11/7/16</a:t>
             </a:fld>
             <a:endParaRPr lang="en-US"/>
           </a:p>
@@ -2261,7 +2261,7 @@
           <a:p>
             <a:fld id="{CE8C0B1D-892C-7644-9105-B9CDA68FC4D5}" type="datetimeFigureOut">
               <a:rPr lang="en-US" smtClean="0"/>
-              <a:t>11/4/16</a:t>
+              <a:t>11/7/16</a:t>
             </a:fld>
             <a:endParaRPr lang="en-US"/>
           </a:p>
@@ -2538,7 +2538,7 @@
           <a:p>
             <a:fld id="{CE8C0B1D-892C-7644-9105-B9CDA68FC4D5}" type="datetimeFigureOut">
               <a:rPr lang="en-US" smtClean="0"/>
-              <a:t>11/4/16</a:t>
+              <a:t>11/7/16</a:t>
             </a:fld>
             <a:endParaRPr lang="en-US"/>
           </a:p>
@@ -2791,7 +2791,7 @@
           <a:p>
             <a:fld id="{CE8C0B1D-892C-7644-9105-B9CDA68FC4D5}" type="datetimeFigureOut">
               <a:rPr lang="en-US" smtClean="0"/>
-              <a:t>11/4/16</a:t>
+              <a:t>11/7/16</a:t>
             </a:fld>
             <a:endParaRPr lang="en-US"/>
           </a:p>
@@ -3004,7 +3004,7 @@
           <a:p>
             <a:fld id="{CE8C0B1D-892C-7644-9105-B9CDA68FC4D5}" type="datetimeFigureOut">
               <a:rPr lang="en-US" smtClean="0"/>
-              <a:t>11/4/16</a:t>
+              <a:t>11/7/16</a:t>
             </a:fld>
             <a:endParaRPr lang="en-US"/>
           </a:p>
@@ -4336,13 +4336,7 @@
               <a:rPr lang="en-US" sz="2400" dirty="0" smtClean="0">
                 <a:sym typeface="Wingdings"/>
               </a:rPr>
-              <a:t> integrate a simple instrument and bend according to the model boundaries to try and form a shape that will reach the </a:t>
-            </a:r>
-            <a:r>
-              <a:rPr lang="en-US" sz="2400" dirty="0" smtClean="0">
-                <a:sym typeface="Wingdings"/>
-              </a:rPr>
-              <a:t>workspace</a:t>
+              <a:t> integrate a simple instrument and bend according to the model boundaries to try and form a shape that will reach the workspace</a:t>
             </a:r>
           </a:p>
           <a:p>
@@ -4440,15 +4434,7 @@
           <a:p>
             <a:r>
               <a:rPr lang="en-US" dirty="0" smtClean="0"/>
-              <a:t>Can </a:t>
-            </a:r>
-            <a:r>
-              <a:rPr lang="en-US" dirty="0" smtClean="0"/>
-              <a:t>you export the workspace map into an STL</a:t>
-            </a:r>
-            <a:r>
-              <a:rPr lang="en-US" dirty="0" smtClean="0"/>
-              <a:t>? </a:t>
+              <a:t>Can you export the workspace map into an STL? </a:t>
             </a:r>
           </a:p>
           <a:p>
@@ -4464,16 +4450,11 @@
               <a:rPr lang="en-US" dirty="0" smtClean="0"/>
               <a:t> file with an STL of the ear anatomy?</a:t>
             </a:r>
-            <a:endParaRPr lang="en-US" dirty="0" smtClean="0"/>
           </a:p>
           <a:p>
             <a:r>
               <a:rPr lang="en-US" dirty="0" smtClean="0"/>
-              <a:t>How do you work with such a big </a:t>
-            </a:r>
-            <a:r>
-              <a:rPr lang="en-US" dirty="0" smtClean="0"/>
-              <a:t>file on </a:t>
+              <a:t>How do you work with such a big file on </a:t>
             </a:r>
             <a:r>
               <a:rPr lang="en-US" dirty="0" err="1" smtClean="0"/>
